--- a/lab&study/[STUDY]/fc/nodejs/4-0909-s/lecture_4.pptx
+++ b/lab&study/[STUDY]/fc/nodejs/4-0909-s/lecture_4.pptx
@@ -1016,10 +1016,10 @@
               <a:t>ackage.json</a:t>
             </a:r>
             <a:r>
-              <a:rPr lang="ko-KR" altLang="en-US" smtClean="0"/>
+              <a:rPr lang="ko-KR" altLang="en-US" dirty="0" smtClean="0"/>
               <a:t> 파일 안에는 주석 처리가 되면 안됨</a:t>
             </a:r>
-            <a:endParaRPr lang="en-US"/>
+            <a:endParaRPr lang="en-US" dirty="0"/>
           </a:p>
         </p:txBody>
       </p:sp>
